--- a/Livepure New Website/Project Documentation/divya & mayuri/devops-training-institutes.pptx
+++ b/Livepure New Website/Project Documentation/divya & mayuri/devops-training-institutes.pptx
@@ -5,20 +5,22 @@
     <p:sldMasterId id="2147483660" r:id="rId1"/>
   </p:sldMasterIdLst>
   <p:notesMasterIdLst>
-    <p:notesMasterId r:id="rId13"/>
+    <p:notesMasterId r:id="rId15"/>
   </p:notesMasterIdLst>
   <p:sldIdLst>
-    <p:sldId id="256" r:id="rId2"/>
-    <p:sldId id="267" r:id="rId3"/>
-    <p:sldId id="258" r:id="rId4"/>
-    <p:sldId id="263" r:id="rId5"/>
-    <p:sldId id="259" r:id="rId6"/>
-    <p:sldId id="261" r:id="rId7"/>
-    <p:sldId id="262" r:id="rId8"/>
-    <p:sldId id="260" r:id="rId9"/>
-    <p:sldId id="264" r:id="rId10"/>
-    <p:sldId id="265" r:id="rId11"/>
-    <p:sldId id="266" r:id="rId12"/>
+    <p:sldId id="268" r:id="rId2"/>
+    <p:sldId id="256" r:id="rId3"/>
+    <p:sldId id="267" r:id="rId4"/>
+    <p:sldId id="258" r:id="rId5"/>
+    <p:sldId id="263" r:id="rId6"/>
+    <p:sldId id="259" r:id="rId7"/>
+    <p:sldId id="261" r:id="rId8"/>
+    <p:sldId id="262" r:id="rId9"/>
+    <p:sldId id="260" r:id="rId10"/>
+    <p:sldId id="264" r:id="rId11"/>
+    <p:sldId id="265" r:id="rId12"/>
+    <p:sldId id="266" r:id="rId13"/>
+    <p:sldId id="269" r:id="rId14"/>
   </p:sldIdLst>
   <p:sldSz cx="9144000" cy="6858000" type="screen4x3"/>
   <p:notesSz cx="6858000" cy="9144000"/>
@@ -202,7 +204,7 @@
           <a:p>
             <a:fld id="{87A8D8EB-8F87-4D2F-9B38-ADAA56601D2E}" type="datetimeFigureOut">
               <a:rPr lang="en-IN" smtClean="0"/>
-              <a:t>28-09-2022</a:t>
+              <a:t>29-09-2022</a:t>
             </a:fld>
             <a:endParaRPr lang="en-IN"/>
           </a:p>
@@ -535,7 +537,7 @@
           <a:p>
             <a:fld id="{F15EAA01-3FA6-4714-BCE9-C30CB5ED54F3}" type="slidenum">
               <a:rPr lang="en-IN" smtClean="0"/>
-              <a:t>3</a:t>
+              <a:t>4</a:t>
             </a:fld>
             <a:endParaRPr lang="en-IN"/>
           </a:p>
@@ -665,7 +667,7 @@
           <a:p>
             <a:fld id="{28470AC3-C4C6-442B-A8E8-934965D7EBD7}" type="datetimeFigureOut">
               <a:rPr lang="en-IN" smtClean="0"/>
-              <a:t>28-09-2022</a:t>
+              <a:t>29-09-2022</a:t>
             </a:fld>
             <a:endParaRPr lang="en-IN"/>
           </a:p>
@@ -891,7 +893,7 @@
           <a:p>
             <a:fld id="{28470AC3-C4C6-442B-A8E8-934965D7EBD7}" type="datetimeFigureOut">
               <a:rPr lang="en-IN" smtClean="0"/>
-              <a:t>28-09-2022</a:t>
+              <a:t>29-09-2022</a:t>
             </a:fld>
             <a:endParaRPr lang="en-IN"/>
           </a:p>
@@ -1066,7 +1068,7 @@
           <a:p>
             <a:fld id="{28470AC3-C4C6-442B-A8E8-934965D7EBD7}" type="datetimeFigureOut">
               <a:rPr lang="en-IN" smtClean="0"/>
-              <a:t>28-09-2022</a:t>
+              <a:t>29-09-2022</a:t>
             </a:fld>
             <a:endParaRPr lang="en-IN"/>
           </a:p>
@@ -1231,7 +1233,7 @@
           <a:p>
             <a:fld id="{28470AC3-C4C6-442B-A8E8-934965D7EBD7}" type="datetimeFigureOut">
               <a:rPr lang="en-IN" smtClean="0"/>
-              <a:t>28-09-2022</a:t>
+              <a:t>29-09-2022</a:t>
             </a:fld>
             <a:endParaRPr lang="en-IN"/>
           </a:p>
@@ -1475,7 +1477,7 @@
           <a:p>
             <a:fld id="{28470AC3-C4C6-442B-A8E8-934965D7EBD7}" type="datetimeFigureOut">
               <a:rPr lang="en-IN" smtClean="0"/>
-              <a:t>28-09-2022</a:t>
+              <a:t>29-09-2022</a:t>
             </a:fld>
             <a:endParaRPr lang="en-IN"/>
           </a:p>
@@ -1739,7 +1741,7 @@
           <a:p>
             <a:fld id="{28470AC3-C4C6-442B-A8E8-934965D7EBD7}" type="datetimeFigureOut">
               <a:rPr lang="en-IN" smtClean="0"/>
-              <a:t>28-09-2022</a:t>
+              <a:t>29-09-2022</a:t>
             </a:fld>
             <a:endParaRPr lang="en-IN"/>
           </a:p>
@@ -2113,7 +2115,7 @@
           <a:p>
             <a:fld id="{28470AC3-C4C6-442B-A8E8-934965D7EBD7}" type="datetimeFigureOut">
               <a:rPr lang="en-IN" smtClean="0"/>
-              <a:t>28-09-2022</a:t>
+              <a:t>29-09-2022</a:t>
             </a:fld>
             <a:endParaRPr lang="en-IN"/>
           </a:p>
@@ -2226,7 +2228,7 @@
           <a:p>
             <a:fld id="{28470AC3-C4C6-442B-A8E8-934965D7EBD7}" type="datetimeFigureOut">
               <a:rPr lang="en-IN" smtClean="0"/>
-              <a:t>28-09-2022</a:t>
+              <a:t>29-09-2022</a:t>
             </a:fld>
             <a:endParaRPr lang="en-IN"/>
           </a:p>
@@ -2316,7 +2318,7 @@
           <a:p>
             <a:fld id="{28470AC3-C4C6-442B-A8E8-934965D7EBD7}" type="datetimeFigureOut">
               <a:rPr lang="en-IN" smtClean="0"/>
-              <a:t>28-09-2022</a:t>
+              <a:t>29-09-2022</a:t>
             </a:fld>
             <a:endParaRPr lang="en-IN"/>
           </a:p>
@@ -2574,7 +2576,7 @@
           <a:p>
             <a:fld id="{28470AC3-C4C6-442B-A8E8-934965D7EBD7}" type="datetimeFigureOut">
               <a:rPr lang="en-IN" smtClean="0"/>
-              <a:t>28-09-2022</a:t>
+              <a:t>29-09-2022</a:t>
             </a:fld>
             <a:endParaRPr lang="en-IN"/>
           </a:p>
@@ -2838,7 +2840,7 @@
           <a:p>
             <a:fld id="{28470AC3-C4C6-442B-A8E8-934965D7EBD7}" type="datetimeFigureOut">
               <a:rPr lang="en-IN" smtClean="0"/>
-              <a:t>28-09-2022</a:t>
+              <a:t>29-09-2022</a:t>
             </a:fld>
             <a:endParaRPr lang="en-IN"/>
           </a:p>
@@ -3055,7 +3057,7 @@
           <a:p>
             <a:fld id="{28470AC3-C4C6-442B-A8E8-934965D7EBD7}" type="datetimeFigureOut">
               <a:rPr lang="en-IN" smtClean="0"/>
-              <a:t>28-09-2022</a:t>
+              <a:t>29-09-2022</a:t>
             </a:fld>
             <a:endParaRPr lang="en-IN"/>
           </a:p>
@@ -3485,9 +3487,95 @@
           <a:chExt cx="0" cy="0"/>
         </a:xfrm>
       </p:grpSpPr>
+      <p:sp>
+        <p:nvSpPr>
+          <p:cNvPr id="6" name="Subtitle 5"/>
+          <p:cNvSpPr>
+            <a:spLocks noGrp="1"/>
+          </p:cNvSpPr>
+          <p:nvPr>
+            <p:ph type="subTitle" idx="1"/>
+          </p:nvPr>
+        </p:nvSpPr>
+        <p:spPr/>
+        <p:txBody>
+          <a:bodyPr/>
+          <a:lstStyle/>
+          <a:p>
+            <a:r>
+              <a:rPr lang="en-US" dirty="0" err="1" smtClean="0"/>
+              <a:t>url</a:t>
+            </a:r>
+            <a:endParaRPr lang="en-US" dirty="0" smtClean="0"/>
+          </a:p>
+          <a:p>
+            <a:r>
+              <a:rPr lang="en-US" dirty="0" err="1" smtClean="0"/>
+              <a:t>Beasant</a:t>
+            </a:r>
+            <a:r>
+              <a:rPr lang="en-US" dirty="0" smtClean="0"/>
+              <a:t> technology</a:t>
+            </a:r>
+          </a:p>
+        </p:txBody>
+      </p:sp>
+      <p:sp>
+        <p:nvSpPr>
+          <p:cNvPr id="7" name="Title 1"/>
+          <p:cNvSpPr>
+            <a:spLocks noGrp="1"/>
+          </p:cNvSpPr>
+          <p:nvPr>
+            <p:ph type="ctrTitle"/>
+          </p:nvPr>
+        </p:nvSpPr>
+        <p:spPr/>
+        <p:txBody>
+          <a:bodyPr/>
+          <a:lstStyle/>
+          <a:p>
+            <a:r>
+              <a:rPr lang="en-US" dirty="0" smtClean="0"/>
+              <a:t>Homepage</a:t>
+            </a:r>
+            <a:endParaRPr lang="en-US" dirty="0"/>
+          </a:p>
+        </p:txBody>
+      </p:sp>
+    </p:spTree>
+    <p:extLst>
+      <p:ext uri="{BB962C8B-B14F-4D97-AF65-F5344CB8AC3E}">
+        <p14:creationId xmlns:p14="http://schemas.microsoft.com/office/powerpoint/2010/main" val="2385128020"/>
+      </p:ext>
+    </p:extLst>
+  </p:cSld>
+  <p:clrMapOvr>
+    <a:masterClrMapping/>
+  </p:clrMapOvr>
+</p:sld>
+</file>
+
+<file path=ppt/slides/slide10.xml><?xml version="1.0" encoding="utf-8"?>
+<p:sld xmlns:a="http://schemas.openxmlformats.org/drawingml/2006/main" xmlns:r="http://schemas.openxmlformats.org/officeDocument/2006/relationships" xmlns:p="http://schemas.openxmlformats.org/presentationml/2006/main">
+  <p:cSld>
+    <p:spTree>
+      <p:nvGrpSpPr>
+        <p:cNvPr id="1" name=""/>
+        <p:cNvGrpSpPr/>
+        <p:nvPr/>
+      </p:nvGrpSpPr>
+      <p:grpSpPr>
+        <a:xfrm>
+          <a:off x="0" y="0"/>
+          <a:ext cx="0" cy="0"/>
+          <a:chOff x="0" y="0"/>
+          <a:chExt cx="0" cy="0"/>
+        </a:xfrm>
+      </p:grpSpPr>
       <p:pic>
         <p:nvPicPr>
-          <p:cNvPr id="1026" name="Picture 2" descr="C:\Users\Mayuri\Pictures\Screenshots\Screenshot (41).png"/>
+          <p:cNvPr id="11266" name="Picture 2" descr="C:\Users\Mayuri\Pictures\Screenshots\Screenshot (68).png"/>
           <p:cNvPicPr>
             <a:picLocks noChangeAspect="1" noChangeArrowheads="1"/>
           </p:cNvPicPr>
@@ -3508,8 +3596,8 @@
         </p:blipFill>
         <p:spPr bwMode="auto">
           <a:xfrm>
-            <a:off x="251520" y="1628801"/>
-            <a:ext cx="8753407" cy="2736304"/>
+            <a:off x="179512" y="1193801"/>
+            <a:ext cx="8676456" cy="3341480"/>
           </a:xfrm>
           <a:prstGeom prst="rect">
             <a:avLst/>
@@ -3529,7 +3617,7 @@
     </p:spTree>
     <p:extLst>
       <p:ext uri="{BB962C8B-B14F-4D97-AF65-F5344CB8AC3E}">
-        <p14:creationId xmlns:p14="http://schemas.microsoft.com/office/powerpoint/2010/main" val="3261316975"/>
+        <p14:creationId xmlns:p14="http://schemas.microsoft.com/office/powerpoint/2010/main" val="4271147535"/>
       </p:ext>
     </p:extLst>
   </p:cSld>
@@ -3546,7 +3634,7 @@
 </p:sld>
 </file>
 
-<file path=ppt/slides/slide10.xml><?xml version="1.0" encoding="utf-8"?>
+<file path=ppt/slides/slide11.xml><?xml version="1.0" encoding="utf-8"?>
 <p:sld xmlns:a="http://schemas.openxmlformats.org/drawingml/2006/main" xmlns:r="http://schemas.openxmlformats.org/officeDocument/2006/relationships" xmlns:p="http://schemas.openxmlformats.org/presentationml/2006/main">
   <p:cSld>
     <p:spTree>
@@ -3624,7 +3712,7 @@
 </p:sld>
 </file>
 
-<file path=ppt/slides/slide11.xml><?xml version="1.0" encoding="utf-8"?>
+<file path=ppt/slides/slide12.xml><?xml version="1.0" encoding="utf-8"?>
 <p:sld xmlns:a="http://schemas.openxmlformats.org/drawingml/2006/main" xmlns:r="http://schemas.openxmlformats.org/officeDocument/2006/relationships" xmlns:p="http://schemas.openxmlformats.org/presentationml/2006/main">
   <p:cSld>
     <p:spTree>
@@ -3702,7 +3790,115 @@
 </p:sld>
 </file>
 
+<file path=ppt/slides/slide13.xml><?xml version="1.0" encoding="utf-8"?>
+<p:sld xmlns:a="http://schemas.openxmlformats.org/drawingml/2006/main" xmlns:r="http://schemas.openxmlformats.org/officeDocument/2006/relationships" xmlns:p="http://schemas.openxmlformats.org/presentationml/2006/main">
+  <p:cSld>
+    <p:spTree>
+      <p:nvGrpSpPr>
+        <p:cNvPr id="1" name=""/>
+        <p:cNvGrpSpPr/>
+        <p:nvPr/>
+      </p:nvGrpSpPr>
+      <p:grpSpPr>
+        <a:xfrm>
+          <a:off x="0" y="0"/>
+          <a:ext cx="0" cy="0"/>
+          <a:chOff x="0" y="0"/>
+          <a:chExt cx="0" cy="0"/>
+        </a:xfrm>
+      </p:grpSpPr>
+    </p:spTree>
+    <p:extLst>
+      <p:ext uri="{BB962C8B-B14F-4D97-AF65-F5344CB8AC3E}">
+        <p14:creationId xmlns:p14="http://schemas.microsoft.com/office/powerpoint/2010/main" val="2157176757"/>
+      </p:ext>
+    </p:extLst>
+  </p:cSld>
+  <p:clrMapOvr>
+    <a:masterClrMapping/>
+  </p:clrMapOvr>
+</p:sld>
+</file>
+
 <file path=ppt/slides/slide2.xml><?xml version="1.0" encoding="utf-8"?>
+<p:sld xmlns:a="http://schemas.openxmlformats.org/drawingml/2006/main" xmlns:r="http://schemas.openxmlformats.org/officeDocument/2006/relationships" xmlns:p="http://schemas.openxmlformats.org/presentationml/2006/main">
+  <p:cSld>
+    <p:spTree>
+      <p:nvGrpSpPr>
+        <p:cNvPr id="1" name=""/>
+        <p:cNvGrpSpPr/>
+        <p:nvPr/>
+      </p:nvGrpSpPr>
+      <p:grpSpPr>
+        <a:xfrm>
+          <a:off x="0" y="0"/>
+          <a:ext cx="0" cy="0"/>
+          <a:chOff x="0" y="0"/>
+          <a:chExt cx="0" cy="0"/>
+        </a:xfrm>
+      </p:grpSpPr>
+      <p:pic>
+        <p:nvPicPr>
+          <p:cNvPr id="1026" name="Picture 2" descr="C:\Users\Mayuri\Pictures\Screenshots\Screenshot (41).png"/>
+          <p:cNvPicPr>
+            <a:picLocks noChangeAspect="1" noChangeArrowheads="1"/>
+          </p:cNvPicPr>
+          <p:nvPr/>
+        </p:nvPicPr>
+        <p:blipFill>
+          <a:blip r:embed="rId2">
+            <a:extLst>
+              <a:ext uri="{28A0092B-C50C-407E-A947-70E740481C1C}">
+                <a14:useLocalDpi xmlns:a14="http://schemas.microsoft.com/office/drawing/2010/main" val="0"/>
+              </a:ext>
+            </a:extLst>
+          </a:blip>
+          <a:srcRect/>
+          <a:stretch>
+            <a:fillRect/>
+          </a:stretch>
+        </p:blipFill>
+        <p:spPr bwMode="auto">
+          <a:xfrm>
+            <a:off x="251520" y="1628801"/>
+            <a:ext cx="8753407" cy="2736304"/>
+          </a:xfrm>
+          <a:prstGeom prst="rect">
+            <a:avLst/>
+          </a:prstGeom>
+          <a:noFill/>
+          <a:extLst>
+            <a:ext uri="{909E8E84-426E-40DD-AFC4-6F175D3DCCD1}">
+              <a14:hiddenFill xmlns:a14="http://schemas.microsoft.com/office/drawing/2010/main">
+                <a:solidFill>
+                  <a:srgbClr val="FFFFFF"/>
+                </a:solidFill>
+              </a14:hiddenFill>
+            </a:ext>
+          </a:extLst>
+        </p:spPr>
+      </p:pic>
+    </p:spTree>
+    <p:extLst>
+      <p:ext uri="{BB962C8B-B14F-4D97-AF65-F5344CB8AC3E}">
+        <p14:creationId xmlns:p14="http://schemas.microsoft.com/office/powerpoint/2010/main" val="3261316975"/>
+      </p:ext>
+    </p:extLst>
+  </p:cSld>
+  <p:clrMapOvr>
+    <a:masterClrMapping/>
+  </p:clrMapOvr>
+  <p:timing>
+    <p:tnLst>
+      <p:par>
+        <p:cTn id="1" dur="indefinite" restart="never" nodeType="tmRoot"/>
+      </p:par>
+    </p:tnLst>
+  </p:timing>
+</p:sld>
+</file>
+
+<file path=ppt/slides/slide3.xml><?xml version="1.0" encoding="utf-8"?>
 <p:sld xmlns:a="http://schemas.openxmlformats.org/drawingml/2006/main" xmlns:r="http://schemas.openxmlformats.org/officeDocument/2006/relationships" xmlns:p="http://schemas.openxmlformats.org/presentationml/2006/main">
   <p:cSld>
     <p:spTree>
@@ -3837,7 +4033,7 @@
 </p:sld>
 </file>
 
-<file path=ppt/slides/slide3.xml><?xml version="1.0" encoding="utf-8"?>
+<file path=ppt/slides/slide4.xml><?xml version="1.0" encoding="utf-8"?>
 <p:sld xmlns:a="http://schemas.openxmlformats.org/drawingml/2006/main" xmlns:r="http://schemas.openxmlformats.org/officeDocument/2006/relationships" xmlns:p="http://schemas.openxmlformats.org/presentationml/2006/main">
   <p:cSld>
     <p:spTree>
@@ -3979,7 +4175,7 @@
 </p:sld>
 </file>
 
-<file path=ppt/slides/slide4.xml><?xml version="1.0" encoding="utf-8"?>
+<file path=ppt/slides/slide5.xml><?xml version="1.0" encoding="utf-8"?>
 <p:sld xmlns:a="http://schemas.openxmlformats.org/drawingml/2006/main" xmlns:r="http://schemas.openxmlformats.org/officeDocument/2006/relationships" xmlns:p="http://schemas.openxmlformats.org/presentationml/2006/main">
   <p:cSld>
     <p:spTree>
@@ -4057,7 +4253,7 @@
 </p:sld>
 </file>
 
-<file path=ppt/slides/slide5.xml><?xml version="1.0" encoding="utf-8"?>
+<file path=ppt/slides/slide6.xml><?xml version="1.0" encoding="utf-8"?>
 <p:sld xmlns:a="http://schemas.openxmlformats.org/drawingml/2006/main" xmlns:r="http://schemas.openxmlformats.org/officeDocument/2006/relationships" xmlns:p="http://schemas.openxmlformats.org/presentationml/2006/main">
   <p:cSld>
     <p:spTree>
@@ -4135,7 +4331,7 @@
 </p:sld>
 </file>
 
-<file path=ppt/slides/slide6.xml><?xml version="1.0" encoding="utf-8"?>
+<file path=ppt/slides/slide7.xml><?xml version="1.0" encoding="utf-8"?>
 <p:sld xmlns:a="http://schemas.openxmlformats.org/drawingml/2006/main" xmlns:r="http://schemas.openxmlformats.org/officeDocument/2006/relationships" xmlns:p="http://schemas.openxmlformats.org/presentationml/2006/main">
   <p:cSld>
     <p:spTree>
@@ -4213,7 +4409,7 @@
 </p:sld>
 </file>
 
-<file path=ppt/slides/slide7.xml><?xml version="1.0" encoding="utf-8"?>
+<file path=ppt/slides/slide8.xml><?xml version="1.0" encoding="utf-8"?>
 <p:sld xmlns:a="http://schemas.openxmlformats.org/drawingml/2006/main" xmlns:r="http://schemas.openxmlformats.org/officeDocument/2006/relationships" xmlns:p="http://schemas.openxmlformats.org/presentationml/2006/main">
   <p:cSld>
     <p:spTree>
@@ -4291,7 +4487,7 @@
 </p:sld>
 </file>
 
-<file path=ppt/slides/slide8.xml><?xml version="1.0" encoding="utf-8"?>
+<file path=ppt/slides/slide9.xml><?xml version="1.0" encoding="utf-8"?>
 <p:sld xmlns:a="http://schemas.openxmlformats.org/drawingml/2006/main" xmlns:r="http://schemas.openxmlformats.org/officeDocument/2006/relationships" xmlns:p="http://schemas.openxmlformats.org/presentationml/2006/main">
   <p:cSld>
     <p:spTree>
@@ -4353,84 +4549,6 @@
     <p:extLst>
       <p:ext uri="{BB962C8B-B14F-4D97-AF65-F5344CB8AC3E}">
         <p14:creationId xmlns:p14="http://schemas.microsoft.com/office/powerpoint/2010/main" val="208797830"/>
-      </p:ext>
-    </p:extLst>
-  </p:cSld>
-  <p:clrMapOvr>
-    <a:masterClrMapping/>
-  </p:clrMapOvr>
-  <p:timing>
-    <p:tnLst>
-      <p:par>
-        <p:cTn id="1" dur="indefinite" restart="never" nodeType="tmRoot"/>
-      </p:par>
-    </p:tnLst>
-  </p:timing>
-</p:sld>
-</file>
-
-<file path=ppt/slides/slide9.xml><?xml version="1.0" encoding="utf-8"?>
-<p:sld xmlns:a="http://schemas.openxmlformats.org/drawingml/2006/main" xmlns:r="http://schemas.openxmlformats.org/officeDocument/2006/relationships" xmlns:p="http://schemas.openxmlformats.org/presentationml/2006/main">
-  <p:cSld>
-    <p:spTree>
-      <p:nvGrpSpPr>
-        <p:cNvPr id="1" name=""/>
-        <p:cNvGrpSpPr/>
-        <p:nvPr/>
-      </p:nvGrpSpPr>
-      <p:grpSpPr>
-        <a:xfrm>
-          <a:off x="0" y="0"/>
-          <a:ext cx="0" cy="0"/>
-          <a:chOff x="0" y="0"/>
-          <a:chExt cx="0" cy="0"/>
-        </a:xfrm>
-      </p:grpSpPr>
-      <p:pic>
-        <p:nvPicPr>
-          <p:cNvPr id="11266" name="Picture 2" descr="C:\Users\Mayuri\Pictures\Screenshots\Screenshot (68).png"/>
-          <p:cNvPicPr>
-            <a:picLocks noChangeAspect="1" noChangeArrowheads="1"/>
-          </p:cNvPicPr>
-          <p:nvPr/>
-        </p:nvPicPr>
-        <p:blipFill>
-          <a:blip r:embed="rId2">
-            <a:extLst>
-              <a:ext uri="{28A0092B-C50C-407E-A947-70E740481C1C}">
-                <a14:useLocalDpi xmlns:a14="http://schemas.microsoft.com/office/drawing/2010/main" val="0"/>
-              </a:ext>
-            </a:extLst>
-          </a:blip>
-          <a:srcRect/>
-          <a:stretch>
-            <a:fillRect/>
-          </a:stretch>
-        </p:blipFill>
-        <p:spPr bwMode="auto">
-          <a:xfrm>
-            <a:off x="179512" y="1193801"/>
-            <a:ext cx="8676456" cy="3341480"/>
-          </a:xfrm>
-          <a:prstGeom prst="rect">
-            <a:avLst/>
-          </a:prstGeom>
-          <a:noFill/>
-          <a:extLst>
-            <a:ext uri="{909E8E84-426E-40DD-AFC4-6F175D3DCCD1}">
-              <a14:hiddenFill xmlns:a14="http://schemas.microsoft.com/office/drawing/2010/main">
-                <a:solidFill>
-                  <a:srgbClr val="FFFFFF"/>
-                </a:solidFill>
-              </a14:hiddenFill>
-            </a:ext>
-          </a:extLst>
-        </p:spPr>
-      </p:pic>
-    </p:spTree>
-    <p:extLst>
-      <p:ext uri="{BB962C8B-B14F-4D97-AF65-F5344CB8AC3E}">
-        <p14:creationId xmlns:p14="http://schemas.microsoft.com/office/powerpoint/2010/main" val="4271147535"/>
       </p:ext>
     </p:extLst>
   </p:cSld>
